--- a/tech-interview/a-task/实习总结-07-25.pptx
+++ b/tech-interview/a-task/实习总结-07-25.pptx
@@ -220,7 +220,7 @@
           <a:p>
             <a:fld id="{B9D1F2BB-BB40-47D4-9E5C-9C7B5C53968F}" type="datetimeFigureOut">
               <a:rPr lang="zh-CN" altLang="en-US" smtClean="0"/>
-              <a:t>2018/7/24</a:t>
+              <a:t>2018/7/25</a:t>
             </a:fld>
             <a:endParaRPr lang="zh-CN" altLang="en-US"/>
           </a:p>
@@ -3040,7 +3040,7 @@
                 <a:ea typeface="幼圆"/>
               </a:rPr>
               <a:pPr/>
-              <a:t>2018/7/24</a:t>
+              <a:t>2018/7/25</a:t>
             </a:fld>
             <a:endParaRPr lang="zh-CN" altLang="en-US">
               <a:solidFill>
@@ -4335,7 +4335,7 @@
                 <a:ea typeface="幼圆"/>
               </a:rPr>
               <a:pPr/>
-              <a:t>2018/7/24</a:t>
+              <a:t>2018/7/25</a:t>
             </a:fld>
             <a:endParaRPr lang="zh-CN" altLang="en-US">
               <a:solidFill>
@@ -4546,7 +4546,7 @@
                 <a:ea typeface="幼圆"/>
               </a:rPr>
               <a:pPr/>
-              <a:t>2018/7/24</a:t>
+              <a:t>2018/7/25</a:t>
             </a:fld>
             <a:endParaRPr lang="zh-CN" altLang="en-US">
               <a:solidFill>
@@ -4710,7 +4710,7 @@
                 <a:ea typeface="幼圆"/>
               </a:rPr>
               <a:pPr/>
-              <a:t>2018/7/24</a:t>
+              <a:t>2018/7/25</a:t>
             </a:fld>
             <a:endParaRPr lang="zh-CN" altLang="en-US">
               <a:solidFill>
@@ -4886,7 +4886,7 @@
                 <a:ea typeface="幼圆"/>
               </a:rPr>
               <a:pPr/>
-              <a:t>2018/7/24</a:t>
+              <a:t>2018/7/25</a:t>
             </a:fld>
             <a:endParaRPr lang="zh-CN" altLang="en-US">
               <a:solidFill>
@@ -5182,7 +5182,7 @@
                 <a:ea typeface="幼圆"/>
               </a:rPr>
               <a:pPr/>
-              <a:t>2018/7/24</a:t>
+              <a:t>2018/7/25</a:t>
             </a:fld>
             <a:endParaRPr lang="zh-CN" altLang="en-US">
               <a:solidFill>
@@ -5785,7 +5785,7 @@
                 <a:ea typeface="幼圆"/>
               </a:rPr>
               <a:pPr/>
-              <a:t>2018/7/24</a:t>
+              <a:t>2018/7/25</a:t>
             </a:fld>
             <a:endParaRPr lang="zh-CN" altLang="en-US">
               <a:solidFill>
@@ -6158,7 +6158,7 @@
                 <a:ea typeface="幼圆"/>
               </a:rPr>
               <a:pPr/>
-              <a:t>2018/7/24</a:t>
+              <a:t>2018/7/25</a:t>
             </a:fld>
             <a:endParaRPr lang="zh-CN" altLang="en-US">
               <a:solidFill>
@@ -6278,7 +6278,7 @@
                 <a:ea typeface="幼圆"/>
               </a:rPr>
               <a:pPr/>
-              <a:t>2018/7/24</a:t>
+              <a:t>2018/7/25</a:t>
             </a:fld>
             <a:endParaRPr lang="zh-CN" altLang="en-US">
               <a:solidFill>
@@ -6408,7 +6408,7 @@
                 <a:ea typeface="幼圆"/>
               </a:rPr>
               <a:pPr/>
-              <a:t>2018/7/24</a:t>
+              <a:t>2018/7/25</a:t>
             </a:fld>
             <a:endParaRPr lang="zh-CN" altLang="en-US">
               <a:solidFill>
@@ -6700,7 +6700,7 @@
                 <a:ea typeface="幼圆"/>
               </a:rPr>
               <a:pPr/>
-              <a:t>2018/7/24</a:t>
+              <a:t>2018/7/25</a:t>
             </a:fld>
             <a:endParaRPr lang="zh-CN" altLang="en-US">
               <a:solidFill>
@@ -7010,7 +7010,7 @@
                 <a:ea typeface="幼圆"/>
               </a:rPr>
               <a:pPr/>
-              <a:t>2018/7/24</a:t>
+              <a:t>2018/7/25</a:t>
             </a:fld>
             <a:endParaRPr lang="zh-CN" altLang="en-US">
               <a:solidFill>
@@ -8155,7 +8155,7 @@
                 <a:ea typeface="幼圆"/>
               </a:rPr>
               <a:pPr/>
-              <a:t>2018/7/24</a:t>
+              <a:t>2018/7/25</a:t>
             </a:fld>
             <a:endParaRPr lang="zh-CN" altLang="en-US">
               <a:solidFill>
@@ -9182,14 +9182,14 @@
             <p:ph idx="1"/>
             <p:extLst>
               <p:ext uri="{D42A27DB-BD31-4B8C-83A1-F6EECF244321}">
-                <p14:modId xmlns:p14="http://schemas.microsoft.com/office/powerpoint/2010/main" val="4227524849"/>
+                <p14:modId xmlns:p14="http://schemas.microsoft.com/office/powerpoint/2010/main" val="3395010659"/>
               </p:ext>
             </p:extLst>
           </p:nvPr>
         </p:nvGraphicFramePr>
         <p:xfrm>
-          <a:off x="1925321" y="1325170"/>
-          <a:ext cx="8215314" cy="2225040"/>
+          <a:off x="1925320" y="1325168"/>
+          <a:ext cx="9325065" cy="5091960"/>
         </p:xfrm>
         <a:graphic>
           <a:graphicData uri="http://schemas.openxmlformats.org/drawingml/2006/table">
@@ -9198,11 +9198,11 @@
                 <a:tableStyleId>{5C22544A-7EE6-4342-B048-85BDC9FD1C3A}</a:tableStyleId>
               </a:tblPr>
               <a:tblGrid>
-                <a:gridCol w="2738438"/>
-                <a:gridCol w="2738438"/>
-                <a:gridCol w="2738438"/>
+                <a:gridCol w="3108355"/>
+                <a:gridCol w="3108355"/>
+                <a:gridCol w="3108355"/>
               </a:tblGrid>
-              <a:tr h="370840">
+              <a:tr h="848660">
                 <a:tc>
                   <a:txBody>
                     <a:bodyPr/>
@@ -9242,7 +9242,7 @@
                   <a:tcPr/>
                 </a:tc>
               </a:tr>
-              <a:tr h="370840">
+              <a:tr h="848660">
                 <a:tc>
                   <a:txBody>
                     <a:bodyPr/>
@@ -9286,7 +9286,7 @@
                   <a:tcPr/>
                 </a:tc>
               </a:tr>
-              <a:tr h="370840">
+              <a:tr h="848660">
                 <a:tc>
                   <a:txBody>
                     <a:bodyPr/>
@@ -9294,11 +9294,7 @@
                     <a:p>
                       <a:r>
                         <a:rPr lang="zh-CN" altLang="en-US" dirty="0" smtClean="0"/>
-                        <a:t>工单堆积对</a:t>
-                      </a:r>
-                      <a:r>
-                        <a:rPr lang="zh-CN" altLang="en-US" dirty="0" smtClean="0"/>
-                        <a:t>产品消耗的影响</a:t>
+                        <a:t>工单堆积对产品消耗的影响</a:t>
                       </a:r>
                       <a:endParaRPr lang="zh-CN" altLang="en-US" dirty="0"/>
                     </a:p>
@@ -9334,7 +9330,7 @@
                   <a:tcPr/>
                 </a:tc>
               </a:tr>
-              <a:tr h="370840">
+              <a:tr h="848660">
                 <a:tc>
                   <a:txBody>
                     <a:bodyPr/>
@@ -9378,7 +9374,7 @@
                   <a:tcPr/>
                 </a:tc>
               </a:tr>
-              <a:tr h="370840">
+              <a:tr h="848660">
                 <a:tc>
                   <a:txBody>
                     <a:bodyPr/>
@@ -9422,7 +9418,7 @@
                   <a:tcPr/>
                 </a:tc>
               </a:tr>
-              <a:tr h="370840">
+              <a:tr h="848660">
                 <a:tc>
                   <a:txBody>
                     <a:bodyPr/>
@@ -12202,6 +12198,13 @@
   <p:clrMapOvr>
     <a:masterClrMapping/>
   </p:clrMapOvr>
+  <p:timing>
+    <p:tnLst>
+      <p:par>
+        <p:cTn id="1" dur="indefinite" restart="never" nodeType="tmRoot"/>
+      </p:par>
+    </p:tnLst>
+  </p:timing>
 </p:sld>
 </file>
 
@@ -12495,11 +12498,7 @@
             </a:r>
             <a:r>
               <a:rPr lang="zh-CN" altLang="en-US" dirty="0" smtClean="0"/>
-              <a:t>审核链路异步结构，后台人员排查问题耗费</a:t>
-            </a:r>
-            <a:r>
-              <a:rPr lang="zh-CN" altLang="en-US" dirty="0" smtClean="0"/>
-              <a:t>精力</a:t>
+              <a:t>审核链路异步结构，后台人员排查问题耗费精力</a:t>
             </a:r>
             <a:endParaRPr lang="en-US" altLang="zh-CN" dirty="0" smtClean="0"/>
           </a:p>
@@ -12629,6 +12628,13 @@
   <p:clrMapOvr>
     <a:masterClrMapping/>
   </p:clrMapOvr>
+  <p:timing>
+    <p:tnLst>
+      <p:par>
+        <p:cTn id="1" dur="indefinite" restart="never" nodeType="tmRoot"/>
+      </p:par>
+    </p:tnLst>
+  </p:timing>
 </p:sld>
 </file>
 
@@ -12693,11 +12699,7 @@
           <a:p>
             <a:r>
               <a:rPr lang="zh-CN" altLang="en-US" dirty="0" smtClean="0"/>
-              <a:t>基于消息分级的双</a:t>
-            </a:r>
-            <a:r>
-              <a:rPr lang="zh-CN" altLang="en-US" dirty="0" smtClean="0"/>
-              <a:t>表策略模型</a:t>
+              <a:t>基于消息分级的双表策略模型</a:t>
             </a:r>
             <a:endParaRPr lang="en-US" altLang="zh-CN" dirty="0" smtClean="0"/>
           </a:p>
@@ -12910,14 +12912,7 @@
                 <a:latin typeface="Arial" panose="020B0604020202020204" pitchFamily="34" charset="0"/>
                 <a:ea typeface="微软雅黑" panose="020B0503020204020204" pitchFamily="34" charset="-122"/>
               </a:rPr>
-              <a:t>基本</a:t>
-            </a:r>
-            <a:r>
-              <a:rPr lang="zh-CN" altLang="en-US" dirty="0" smtClean="0">
-                <a:latin typeface="Arial" panose="020B0604020202020204" pitchFamily="34" charset="0"/>
-                <a:ea typeface="微软雅黑" panose="020B0503020204020204" pitchFamily="34" charset="-122"/>
-              </a:rPr>
-              <a:t>要求</a:t>
+              <a:t>基本要求</a:t>
             </a:r>
           </a:p>
         </p:txBody>
@@ -13126,11 +13121,7 @@
           <a:p>
             <a:r>
               <a:rPr lang="zh-CN" altLang="en-US" dirty="0" smtClean="0"/>
-              <a:t>消息</a:t>
-            </a:r>
-            <a:r>
-              <a:rPr lang="zh-CN" altLang="en-US" dirty="0" smtClean="0"/>
-              <a:t>及时消费</a:t>
+              <a:t>消息及时消费</a:t>
             </a:r>
             <a:endParaRPr lang="en-US" altLang="zh-CN" dirty="0" smtClean="0"/>
           </a:p>
@@ -13181,14 +13172,7 @@
                 <a:latin typeface="Arial" panose="020B0604020202020204" pitchFamily="34" charset="0"/>
                 <a:ea typeface="微软雅黑" panose="020B0503020204020204" pitchFamily="34" charset="-122"/>
               </a:rPr>
-              <a:t>设计</a:t>
-            </a:r>
-            <a:r>
-              <a:rPr lang="zh-CN" altLang="en-US" dirty="0" smtClean="0">
-                <a:latin typeface="Arial" panose="020B0604020202020204" pitchFamily="34" charset="0"/>
-                <a:ea typeface="微软雅黑" panose="020B0503020204020204" pitchFamily="34" charset="-122"/>
-              </a:rPr>
-              <a:t>要求</a:t>
+              <a:t>设计要求</a:t>
             </a:r>
           </a:p>
         </p:txBody>
